--- a/Plan/学习计划.pptx
+++ b/Plan/学习计划.pptx
@@ -6762,7 +6762,7 @@
           <p:nvPr>
             <p:extLst>
               <p:ext uri="{D42A27DB-BD31-4B8C-83A1-F6EECF244321}">
-                <p14:modId xmlns:p14="http://schemas.microsoft.com/office/powerpoint/2010/main" val="3490130791"/>
+                <p14:modId xmlns:p14="http://schemas.microsoft.com/office/powerpoint/2010/main" val="2453708110"/>
               </p:ext>
             </p:extLst>
           </p:nvPr>
@@ -7082,10 +7082,7 @@
                   </a:txBody>
                   <a:tcPr>
                     <a:solidFill>
-                      <a:schemeClr val="accent4">
-                        <a:lumMod val="60000"/>
-                        <a:lumOff val="40000"/>
-                      </a:schemeClr>
+                      <a:srgbClr val="92D050"/>
                     </a:solidFill>
                   </a:tcPr>
                 </a:tc>
@@ -7116,7 +7113,7 @@
                   </a:txBody>
                   <a:tcPr>
                     <a:solidFill>
-                      <a:srgbClr val="FFD966"/>
+                      <a:srgbClr val="92D050"/>
                     </a:solidFill>
                   </a:tcPr>
                 </a:tc>
@@ -7256,7 +7253,7 @@
                   </a:txBody>
                   <a:tcPr>
                     <a:solidFill>
-                      <a:srgbClr val="F4B183"/>
+                      <a:srgbClr val="FFD966"/>
                     </a:solidFill>
                   </a:tcPr>
                 </a:tc>
@@ -7800,10 +7797,30 @@
                     <a:lstStyle/>
                     <a:p>
                       <a:pPr algn="ctr"/>
-                      <a:endParaRPr lang="zh-CN" altLang="en-US" dirty="0"/>
+                      <a:r>
+                        <a:rPr lang="zh-CN" altLang="en-US" b="1" dirty="0" smtClean="0">
+                          <a:solidFill>
+                            <a:schemeClr val="bg1"/>
+                          </a:solidFill>
+                          <a:latin typeface="等线" panose="02010600030101010101" pitchFamily="2" charset="-122"/>
+                          <a:ea typeface="等线" panose="02010600030101010101" pitchFamily="2" charset="-122"/>
+                        </a:rPr>
+                        <a:t>重温机器学习</a:t>
+                      </a:r>
+                      <a:endParaRPr lang="zh-CN" altLang="en-US" b="1" dirty="0">
+                        <a:solidFill>
+                          <a:schemeClr val="bg1"/>
+                        </a:solidFill>
+                        <a:latin typeface="等线" panose="02010600030101010101" pitchFamily="2" charset="-122"/>
+                        <a:ea typeface="等线" panose="02010600030101010101" pitchFamily="2" charset="-122"/>
+                      </a:endParaRPr>
                     </a:p>
                   </a:txBody>
-                  <a:tcPr/>
+                  <a:tcPr>
+                    <a:solidFill>
+                      <a:srgbClr val="F4B183"/>
+                    </a:solidFill>
+                  </a:tcPr>
                 </a:tc>
                 <a:extLst>
                   <a:ext uri="{0D108BD9-81ED-4DB2-BD59-A6C34878D82A}">
@@ -9672,7 +9689,7 @@
           <p:nvPr>
             <p:extLst>
               <p:ext uri="{D42A27DB-BD31-4B8C-83A1-F6EECF244321}">
-                <p14:modId xmlns:p14="http://schemas.microsoft.com/office/powerpoint/2010/main" val="1053069352"/>
+                <p14:modId xmlns:p14="http://schemas.microsoft.com/office/powerpoint/2010/main" val="970853557"/>
               </p:ext>
             </p:extLst>
           </p:nvPr>
@@ -9957,7 +9974,17 @@
                           <a:latin typeface="等线" panose="02010600030101010101" pitchFamily="2" charset="-122"/>
                           <a:ea typeface="等线" panose="02010600030101010101" pitchFamily="2" charset="-122"/>
                         </a:rPr>
-                        <a:t>C++</a:t>
+                        <a:t>C</a:t>
+                      </a:r>
+                      <a:r>
+                        <a:rPr lang="en-US" altLang="zh-CN" b="1" dirty="0" smtClean="0">
+                          <a:solidFill>
+                            <a:schemeClr val="bg1"/>
+                          </a:solidFill>
+                          <a:latin typeface="等线" panose="02010600030101010101" pitchFamily="2" charset="-122"/>
+                          <a:ea typeface="等线" panose="02010600030101010101" pitchFamily="2" charset="-122"/>
+                        </a:rPr>
+                        <a:t>++ Basic/Class</a:t>
                       </a:r>
                       <a:endParaRPr lang="zh-CN" altLang="en-US" b="1" dirty="0">
                         <a:solidFill>
@@ -9991,7 +10018,7 @@
                           <a:latin typeface="等线" panose="02010600030101010101" pitchFamily="2" charset="-122"/>
                           <a:ea typeface="等线" panose="02010600030101010101" pitchFamily="2" charset="-122"/>
                         </a:rPr>
-                        <a:t>Pytorch</a:t>
+                        <a:t>Pytorch Basic</a:t>
                       </a:r>
                       <a:endParaRPr lang="zh-CN" altLang="en-US" b="1" dirty="0">
                         <a:solidFill>
@@ -10022,7 +10049,7 @@
                           <a:latin typeface="等线" panose="02010600030101010101" pitchFamily="2" charset="-122"/>
                           <a:ea typeface="等线" panose="02010600030101010101" pitchFamily="2" charset="-122"/>
                         </a:rPr>
-                        <a:t>PyQt</a:t>
+                        <a:t>PyQt Basic</a:t>
                       </a:r>
                       <a:endParaRPr lang="zh-CN" altLang="en-US" b="1" dirty="0">
                         <a:solidFill>
@@ -10100,7 +10127,27 @@
                           <a:latin typeface="等线" panose="02010600030101010101" pitchFamily="2" charset="-122"/>
                           <a:ea typeface="等线" panose="02010600030101010101" pitchFamily="2" charset="-122"/>
                         </a:rPr>
-                        <a:t>C++</a:t>
+                        <a:t>C</a:t>
+                      </a:r>
+                      <a:r>
+                        <a:rPr lang="en-US" altLang="zh-CN" b="1" dirty="0" smtClean="0">
+                          <a:solidFill>
+                            <a:schemeClr val="bg1"/>
+                          </a:solidFill>
+                          <a:latin typeface="等线" panose="02010600030101010101" pitchFamily="2" charset="-122"/>
+                          <a:ea typeface="等线" panose="02010600030101010101" pitchFamily="2" charset="-122"/>
+                        </a:rPr>
+                        <a:t>++</a:t>
+                      </a:r>
+                      <a:r>
+                        <a:rPr lang="en-US" altLang="zh-CN" b="1" baseline="0" dirty="0" smtClean="0">
+                          <a:solidFill>
+                            <a:schemeClr val="bg1"/>
+                          </a:solidFill>
+                          <a:latin typeface="等线" panose="02010600030101010101" pitchFamily="2" charset="-122"/>
+                          <a:ea typeface="等线" panose="02010600030101010101" pitchFamily="2" charset="-122"/>
+                        </a:rPr>
+                        <a:t> Template/STL</a:t>
                       </a:r>
                       <a:endParaRPr lang="zh-CN" altLang="en-US" b="1" dirty="0">
                         <a:solidFill>
@@ -10131,7 +10178,7 @@
                           <a:latin typeface="等线" panose="02010600030101010101" pitchFamily="2" charset="-122"/>
                           <a:ea typeface="等线" panose="02010600030101010101" pitchFamily="2" charset="-122"/>
                         </a:rPr>
-                        <a:t>Pytorch</a:t>
+                        <a:t>Pytorch Advanced</a:t>
                       </a:r>
                       <a:endParaRPr lang="zh-CN" altLang="en-US" b="1" dirty="0">
                         <a:solidFill>
@@ -10240,7 +10287,17 @@
                           <a:latin typeface="等线" panose="02010600030101010101" pitchFamily="2" charset="-122"/>
                           <a:ea typeface="等线" panose="02010600030101010101" pitchFamily="2" charset="-122"/>
                         </a:rPr>
-                        <a:t>C++/CMake</a:t>
+                        <a:t>C++/</a:t>
+                      </a:r>
+                      <a:r>
+                        <a:rPr lang="en-US" altLang="zh-CN" b="1" dirty="0" smtClean="0">
+                          <a:solidFill>
+                            <a:schemeClr val="bg1"/>
+                          </a:solidFill>
+                          <a:latin typeface="等线" panose="02010600030101010101" pitchFamily="2" charset="-122"/>
+                          <a:ea typeface="等线" panose="02010600030101010101" pitchFamily="2" charset="-122"/>
+                        </a:rPr>
+                        <a:t>CMake</a:t>
                       </a:r>
                       <a:endParaRPr lang="zh-CN" altLang="en-US" b="1" dirty="0">
                         <a:solidFill>
@@ -10291,6 +10348,16 @@
                           <a:ea typeface="等线" panose="02010600030101010101" pitchFamily="2" charset="-122"/>
                         </a:rPr>
                         <a:t>Pytorch</a:t>
+                      </a:r>
+                      <a:r>
+                        <a:rPr lang="en-US" altLang="zh-CN" b="1" baseline="0" dirty="0" smtClean="0">
+                          <a:solidFill>
+                            <a:schemeClr val="bg1"/>
+                          </a:solidFill>
+                          <a:latin typeface="等线" panose="02010600030101010101" pitchFamily="2" charset="-122"/>
+                          <a:ea typeface="等线" panose="02010600030101010101" pitchFamily="2" charset="-122"/>
+                        </a:rPr>
+                        <a:t> Classic Works</a:t>
                       </a:r>
                       <a:endParaRPr lang="zh-CN" altLang="en-US" b="1" dirty="0" smtClean="0">
                         <a:solidFill>
@@ -10418,7 +10485,17 @@
                           <a:latin typeface="等线" panose="02010600030101010101" pitchFamily="2" charset="-122"/>
                           <a:ea typeface="等线" panose="02010600030101010101" pitchFamily="2" charset="-122"/>
                         </a:rPr>
-                        <a:t>C++/CUDA</a:t>
+                        <a:t>C++/</a:t>
+                      </a:r>
+                      <a:r>
+                        <a:rPr lang="en-US" altLang="zh-CN" b="1" dirty="0" smtClean="0">
+                          <a:solidFill>
+                            <a:schemeClr val="bg1"/>
+                          </a:solidFill>
+                          <a:latin typeface="等线" panose="02010600030101010101" pitchFamily="2" charset="-122"/>
+                          <a:ea typeface="等线" panose="02010600030101010101" pitchFamily="2" charset="-122"/>
+                        </a:rPr>
+                        <a:t>CUDA Basic</a:t>
                       </a:r>
                       <a:endParaRPr lang="zh-CN" altLang="en-US" b="1" dirty="0">
                         <a:solidFill>
@@ -10452,7 +10529,7 @@
                           <a:latin typeface="等线" panose="02010600030101010101" pitchFamily="2" charset="-122"/>
                           <a:ea typeface="等线" panose="02010600030101010101" pitchFamily="2" charset="-122"/>
                         </a:rPr>
-                        <a:t>Pytorch</a:t>
+                        <a:t>Pytorch Practice</a:t>
                       </a:r>
                       <a:endParaRPr lang="zh-CN" altLang="en-US" b="1" dirty="0">
                         <a:solidFill>
@@ -10614,7 +10691,7 @@
                           <a:latin typeface="等线" panose="02010600030101010101" pitchFamily="2" charset="-122"/>
                           <a:ea typeface="等线" panose="02010600030101010101" pitchFamily="2" charset="-122"/>
                         </a:rPr>
-                        <a:t>Julia</a:t>
+                        <a:t>Julia Basic</a:t>
                       </a:r>
                       <a:endParaRPr lang="zh-CN" altLang="en-US" b="1" dirty="0">
                         <a:solidFill>
